--- a/docs/content/img/CommunityDayNordics2024_SlideTemplate.pptx
+++ b/docs/content/img/CommunityDayNordics2024_SlideTemplate.pptx
@@ -15,8 +15,8 @@
     <p:sldId id="276" r:id="rId6"/>
     <p:sldId id="278" r:id="rId7"/>
     <p:sldId id="287" r:id="rId8"/>
-    <p:sldId id="288" r:id="rId9"/>
-    <p:sldId id="293" r:id="rId10"/>
+    <p:sldId id="293" r:id="rId9"/>
+    <p:sldId id="295" r:id="rId10"/>
     <p:sldId id="260" r:id="rId11"/>
     <p:sldId id="291" r:id="rId12"/>
     <p:sldId id="281" r:id="rId13"/>
@@ -6540,9 +6540,9 @@
         <p:grpSpPr>
           <a:xfrm>
             <a:off x="0" y="18524"/>
-            <a:ext cx="9144000" cy="1363664"/>
+            <a:ext cx="9144000" cy="1533953"/>
             <a:chOff x="0" y="18524"/>
-            <a:chExt cx="9144000" cy="1363664"/>
+            <a:chExt cx="9144000" cy="1533953"/>
           </a:xfrm>
         </p:grpSpPr>
         <p:sp>
@@ -6621,8 +6621,8 @@
           </p:blipFill>
           <p:spPr>
             <a:xfrm>
-              <a:off x="3671605" y="421178"/>
-              <a:ext cx="1453276" cy="303532"/>
+              <a:off x="1253613" y="1279904"/>
+              <a:ext cx="1305048" cy="272573"/>
             </a:xfrm>
             <a:prstGeom prst="rect">
               <a:avLst/>
@@ -6726,8 +6726,8 @@
         </p:blipFill>
         <p:spPr>
           <a:xfrm>
-            <a:off x="5216896" y="78506"/>
-            <a:ext cx="1544502" cy="1099171"/>
+            <a:off x="5523387" y="148432"/>
+            <a:ext cx="1327570" cy="944788"/>
           </a:xfrm>
           <a:prstGeom prst="rect">
             <a:avLst/>
@@ -6756,8 +6756,8 @@
         </p:blipFill>
         <p:spPr>
           <a:xfrm>
-            <a:off x="6533664" y="155699"/>
-            <a:ext cx="2263844" cy="931478"/>
+            <a:off x="6673644" y="213295"/>
+            <a:ext cx="2123863" cy="873882"/>
           </a:xfrm>
           <a:prstGeom prst="rect">
             <a:avLst/>
@@ -6795,6 +6795,53 @@
           <a:xfrm>
             <a:off x="114150" y="421178"/>
             <a:ext cx="1814052" cy="413831"/>
+          </a:xfrm>
+          <a:prstGeom prst="rect">
+            <a:avLst/>
+          </a:prstGeom>
+          <a:noFill/>
+          <a:extLst>
+            <a:ext uri="{909E8E84-426E-40DD-AFC4-6F175D3DCCD1}">
+              <a14:hiddenFill xmlns:a14="http://schemas.microsoft.com/office/drawing/2010/main">
+                <a:solidFill>
+                  <a:srgbClr val="FFFFFF"/>
+                </a:solidFill>
+              </a14:hiddenFill>
+            </a:ext>
+          </a:extLst>
+        </p:spPr>
+      </p:pic>
+      <p:pic>
+        <p:nvPicPr>
+          <p:cNvPr id="1038" name="Picture 14">
+            <a:extLst>
+              <a:ext uri="{FF2B5EF4-FFF2-40B4-BE49-F238E27FC236}">
+                <a16:creationId xmlns:a16="http://schemas.microsoft.com/office/drawing/2014/main" id="{6D6FFF53-2B53-FF08-0A92-5F3CE890FAEA}"/>
+              </a:ext>
+            </a:extLst>
+          </p:cNvPr>
+          <p:cNvPicPr>
+            <a:picLocks noChangeAspect="1" noChangeArrowheads="1"/>
+          </p:cNvPicPr>
+          <p:nvPr/>
+        </p:nvPicPr>
+        <p:blipFill>
+          <a:blip r:embed="rId9">
+            <a:extLst>
+              <a:ext uri="{28A0092B-C50C-407E-A947-70E740481C1C}">
+                <a14:useLocalDpi xmlns:a14="http://schemas.microsoft.com/office/drawing/2010/main" val="0"/>
+              </a:ext>
+            </a:extLst>
+          </a:blip>
+          <a:srcRect/>
+          <a:stretch>
+            <a:fillRect/>
+          </a:stretch>
+        </p:blipFill>
+        <p:spPr bwMode="auto">
+          <a:xfrm>
+            <a:off x="6091084" y="1128585"/>
+            <a:ext cx="2057400" cy="507206"/>
           </a:xfrm>
           <a:prstGeom prst="rect">
             <a:avLst/>
@@ -8656,12 +8703,18 @@
       </p:grpSpPr>
       <p:sp>
         <p:nvSpPr>
-          <p:cNvPr id="4" name="Text Placeholder 3"/>
-          <p:cNvSpPr>
-            <a:spLocks noGrp="1"/>
-          </p:cNvSpPr>
-          <p:nvPr>
-            <p:ph type="body" sz="quarter" idx="14"/>
+          <p:cNvPr id="2" name="Title 1">
+            <a:extLst>
+              <a:ext uri="{FF2B5EF4-FFF2-40B4-BE49-F238E27FC236}">
+                <a16:creationId xmlns:a16="http://schemas.microsoft.com/office/drawing/2014/main" id="{51EC11BC-DC14-D3C3-BAF2-E742FD486580}"/>
+              </a:ext>
+            </a:extLst>
+          </p:cNvPr>
+          <p:cNvSpPr>
+            <a:spLocks noGrp="1"/>
+          </p:cNvSpPr>
+          <p:nvPr>
+            <p:ph type="title"/>
           </p:nvPr>
         </p:nvSpPr>
         <p:spPr/>
@@ -8671,19 +8724,25 @@
           <a:p>
             <a:r>
               <a:rPr lang="en-US" dirty="0"/>
-              <a:t>This is an illustrated title slide</a:t>
-            </a:r>
-          </a:p>
-        </p:txBody>
-      </p:sp>
-      <p:sp>
-        <p:nvSpPr>
-          <p:cNvPr id="5" name="Text Placeholder 4"/>
-          <p:cNvSpPr>
-            <a:spLocks noGrp="1"/>
-          </p:cNvSpPr>
-          <p:nvPr>
-            <p:ph type="body" sz="quarter" idx="15"/>
+              <a:t>This is a simple title slide</a:t>
+            </a:r>
+          </a:p>
+        </p:txBody>
+      </p:sp>
+      <p:sp>
+        <p:nvSpPr>
+          <p:cNvPr id="3" name="Text Placeholder 2">
+            <a:extLst>
+              <a:ext uri="{FF2B5EF4-FFF2-40B4-BE49-F238E27FC236}">
+                <a16:creationId xmlns:a16="http://schemas.microsoft.com/office/drawing/2014/main" id="{4435155A-4990-7314-1914-14043DC8391E}"/>
+              </a:ext>
+            </a:extLst>
+          </p:cNvPr>
+          <p:cNvSpPr>
+            <a:spLocks noGrp="1"/>
+          </p:cNvSpPr>
+          <p:nvPr>
+            <p:ph type="body" sz="quarter" idx="10"/>
           </p:nvPr>
         </p:nvSpPr>
         <p:spPr/>
@@ -8696,12 +8755,229 @@
               <a:t>PRESENTER  |  DATE</a:t>
             </a:r>
           </a:p>
-        </p:txBody>
-      </p:sp>
+          <a:p>
+            <a:endParaRPr lang="en-US" dirty="0"/>
+          </a:p>
+        </p:txBody>
+      </p:sp>
+      <p:pic>
+        <p:nvPicPr>
+          <p:cNvPr id="7" name="Picture 6" descr="A pink clouds with black background&#10;&#10;Description automatically generated">
+            <a:extLst>
+              <a:ext uri="{FF2B5EF4-FFF2-40B4-BE49-F238E27FC236}">
+                <a16:creationId xmlns:a16="http://schemas.microsoft.com/office/drawing/2014/main" id="{B2C8AD01-28F8-3185-D5B6-E9FB4ECB632B}"/>
+              </a:ext>
+            </a:extLst>
+          </p:cNvPr>
+          <p:cNvPicPr>
+            <a:picLocks noChangeAspect="1"/>
+          </p:cNvPicPr>
+          <p:nvPr/>
+        </p:nvPicPr>
+        <p:blipFill>
+          <a:blip r:embed="rId2"/>
+          <a:stretch>
+            <a:fillRect/>
+          </a:stretch>
+        </p:blipFill>
+        <p:spPr>
+          <a:xfrm>
+            <a:off x="1853998" y="4129394"/>
+            <a:ext cx="929501" cy="733658"/>
+          </a:xfrm>
+          <a:prstGeom prst="rect">
+            <a:avLst/>
+          </a:prstGeom>
+        </p:spPr>
+      </p:pic>
+      <p:pic>
+        <p:nvPicPr>
+          <p:cNvPr id="8" name="Picture 7" descr="A white cow with a sun and text&#10;&#10;Description automatically generated">
+            <a:extLst>
+              <a:ext uri="{FF2B5EF4-FFF2-40B4-BE49-F238E27FC236}">
+                <a16:creationId xmlns:a16="http://schemas.microsoft.com/office/drawing/2014/main" id="{32238D9B-FCC9-F530-C437-C70D34A4195B}"/>
+              </a:ext>
+            </a:extLst>
+          </p:cNvPr>
+          <p:cNvPicPr>
+            <a:picLocks noChangeAspect="1"/>
+          </p:cNvPicPr>
+          <p:nvPr/>
+        </p:nvPicPr>
+        <p:blipFill>
+          <a:blip r:embed="rId3"/>
+          <a:stretch>
+            <a:fillRect/>
+          </a:stretch>
+        </p:blipFill>
+        <p:spPr>
+          <a:xfrm>
+            <a:off x="4258688" y="4005206"/>
+            <a:ext cx="1301453" cy="926202"/>
+          </a:xfrm>
+          <a:prstGeom prst="rect">
+            <a:avLst/>
+          </a:prstGeom>
+        </p:spPr>
+      </p:pic>
+      <p:pic>
+        <p:nvPicPr>
+          <p:cNvPr id="9" name="Picture 8" descr="A close-up of a logo&#10;&#10;Description automatically generated">
+            <a:extLst>
+              <a:ext uri="{FF2B5EF4-FFF2-40B4-BE49-F238E27FC236}">
+                <a16:creationId xmlns:a16="http://schemas.microsoft.com/office/drawing/2014/main" id="{DA79BE6C-9B6E-EAA3-95D7-2BCC857B9FCE}"/>
+              </a:ext>
+            </a:extLst>
+          </p:cNvPr>
+          <p:cNvPicPr>
+            <a:picLocks noChangeAspect="1"/>
+          </p:cNvPicPr>
+          <p:nvPr/>
+        </p:nvPicPr>
+        <p:blipFill>
+          <a:blip r:embed="rId4"/>
+          <a:stretch>
+            <a:fillRect/>
+          </a:stretch>
+        </p:blipFill>
+        <p:spPr>
+          <a:xfrm>
+            <a:off x="5559626" y="4155414"/>
+            <a:ext cx="1737750" cy="715012"/>
+          </a:xfrm>
+          <a:prstGeom prst="rect">
+            <a:avLst/>
+          </a:prstGeom>
+        </p:spPr>
+      </p:pic>
+      <p:pic>
+        <p:nvPicPr>
+          <p:cNvPr id="10" name="Picture 4" descr="Plainex | Home">
+            <a:extLst>
+              <a:ext uri="{FF2B5EF4-FFF2-40B4-BE49-F238E27FC236}">
+                <a16:creationId xmlns:a16="http://schemas.microsoft.com/office/drawing/2014/main" id="{BEA5A126-06DA-E261-E6F3-9AA14EF59DEE}"/>
+              </a:ext>
+            </a:extLst>
+          </p:cNvPr>
+          <p:cNvPicPr>
+            <a:picLocks noChangeAspect="1" noChangeArrowheads="1"/>
+          </p:cNvPicPr>
+          <p:nvPr/>
+        </p:nvPicPr>
+        <p:blipFill>
+          <a:blip r:embed="rId5">
+            <a:extLst>
+              <a:ext uri="{28A0092B-C50C-407E-A947-70E740481C1C}">
+                <a14:useLocalDpi xmlns:a14="http://schemas.microsoft.com/office/drawing/2010/main" val="0"/>
+              </a:ext>
+            </a:extLst>
+          </a:blip>
+          <a:srcRect/>
+          <a:stretch>
+            <a:fillRect/>
+          </a:stretch>
+        </p:blipFill>
+        <p:spPr bwMode="auto">
+          <a:xfrm>
+            <a:off x="47646" y="4325018"/>
+            <a:ext cx="1657517" cy="378121"/>
+          </a:xfrm>
+          <a:prstGeom prst="rect">
+            <a:avLst/>
+          </a:prstGeom>
+          <a:noFill/>
+          <a:extLst>
+            <a:ext uri="{909E8E84-426E-40DD-AFC4-6F175D3DCCD1}">
+              <a14:hiddenFill xmlns:a14="http://schemas.microsoft.com/office/drawing/2010/main">
+                <a:solidFill>
+                  <a:srgbClr val="FFFFFF"/>
+                </a:solidFill>
+              </a14:hiddenFill>
+            </a:ext>
+          </a:extLst>
+        </p:spPr>
+      </p:pic>
+      <p:pic>
+        <p:nvPicPr>
+          <p:cNvPr id="11" name="Picture 14">
+            <a:extLst>
+              <a:ext uri="{FF2B5EF4-FFF2-40B4-BE49-F238E27FC236}">
+                <a16:creationId xmlns:a16="http://schemas.microsoft.com/office/drawing/2014/main" id="{CE9A8B8F-2CA6-49A4-A70D-B399909C2245}"/>
+              </a:ext>
+            </a:extLst>
+          </p:cNvPr>
+          <p:cNvPicPr>
+            <a:picLocks noChangeAspect="1" noChangeArrowheads="1"/>
+          </p:cNvPicPr>
+          <p:nvPr/>
+        </p:nvPicPr>
+        <p:blipFill>
+          <a:blip r:embed="rId6">
+            <a:extLst>
+              <a:ext uri="{28A0092B-C50C-407E-A947-70E740481C1C}">
+                <a14:useLocalDpi xmlns:a14="http://schemas.microsoft.com/office/drawing/2010/main" val="0"/>
+              </a:ext>
+            </a:extLst>
+          </a:blip>
+          <a:srcRect/>
+          <a:stretch>
+            <a:fillRect/>
+          </a:stretch>
+        </p:blipFill>
+        <p:spPr bwMode="auto">
+          <a:xfrm>
+            <a:off x="7433186" y="4311341"/>
+            <a:ext cx="1516727" cy="373915"/>
+          </a:xfrm>
+          <a:prstGeom prst="rect">
+            <a:avLst/>
+          </a:prstGeom>
+          <a:noFill/>
+          <a:extLst>
+            <a:ext uri="{909E8E84-426E-40DD-AFC4-6F175D3DCCD1}">
+              <a14:hiddenFill xmlns:a14="http://schemas.microsoft.com/office/drawing/2010/main">
+                <a:solidFill>
+                  <a:srgbClr val="FFFFFF"/>
+                </a:solidFill>
+              </a14:hiddenFill>
+            </a:ext>
+          </a:extLst>
+        </p:spPr>
+      </p:pic>
+      <p:pic>
+        <p:nvPicPr>
+          <p:cNvPr id="12" name="Picture 11">
+            <a:extLst>
+              <a:ext uri="{FF2B5EF4-FFF2-40B4-BE49-F238E27FC236}">
+                <a16:creationId xmlns:a16="http://schemas.microsoft.com/office/drawing/2014/main" id="{CE4BB0DC-AD08-26B5-454C-B5297ADEEAB6}"/>
+              </a:ext>
+            </a:extLst>
+          </p:cNvPr>
+          <p:cNvPicPr>
+            <a:picLocks noChangeAspect="1"/>
+          </p:cNvPicPr>
+          <p:nvPr/>
+        </p:nvPicPr>
+        <p:blipFill>
+          <a:blip r:embed="rId7"/>
+          <a:stretch>
+            <a:fillRect/>
+          </a:stretch>
+        </p:blipFill>
+        <p:spPr>
+          <a:xfrm>
+            <a:off x="2999737" y="4377681"/>
+            <a:ext cx="1135132" cy="237084"/>
+          </a:xfrm>
+          <a:prstGeom prst="rect">
+            <a:avLst/>
+          </a:prstGeom>
+        </p:spPr>
+      </p:pic>
     </p:spTree>
     <p:extLst>
       <p:ext uri="{BB962C8B-B14F-4D97-AF65-F5344CB8AC3E}">
-        <p14:creationId xmlns:p14="http://schemas.microsoft.com/office/powerpoint/2010/main" val="1499047109"/>
+        <p14:creationId xmlns:p14="http://schemas.microsoft.com/office/powerpoint/2010/main" val="394914069"/>
       </p:ext>
     </p:extLst>
   </p:cSld>
@@ -8790,7 +9066,7 @@
     </p:spTree>
     <p:extLst>
       <p:ext uri="{BB962C8B-B14F-4D97-AF65-F5344CB8AC3E}">
-        <p14:creationId xmlns:p14="http://schemas.microsoft.com/office/powerpoint/2010/main" val="394914069"/>
+        <p14:creationId xmlns:p14="http://schemas.microsoft.com/office/powerpoint/2010/main" val="57935663"/>
       </p:ext>
     </p:extLst>
   </p:cSld>

--- a/docs/content/img/CommunityDayNordics2024_SlideTemplate.pptx
+++ b/docs/content/img/CommunityDayNordics2024_SlideTemplate.pptx
@@ -6525,111 +6525,60 @@
           </a:p>
         </p:txBody>
       </p:sp>
-      <p:grpSp>
-        <p:nvGrpSpPr>
-          <p:cNvPr id="18" name="Group 17">
+      <p:sp>
+        <p:nvSpPr>
+          <p:cNvPr id="17" name="Title 1">
             <a:extLst>
               <a:ext uri="{FF2B5EF4-FFF2-40B4-BE49-F238E27FC236}">
-                <a16:creationId xmlns:a16="http://schemas.microsoft.com/office/drawing/2014/main" id="{6F9811B8-F77E-CB53-2790-5406DBE7B786}"/>
+                <a16:creationId xmlns:a16="http://schemas.microsoft.com/office/drawing/2014/main" id="{31A0BB94-2E15-A0AD-5DFC-7E0DC0A10E01}"/>
               </a:ext>
             </a:extLst>
           </p:cNvPr>
-          <p:cNvGrpSpPr/>
+          <p:cNvSpPr txBox="1">
+            <a:spLocks/>
+          </p:cNvSpPr>
           <p:nvPr/>
-        </p:nvGrpSpPr>
-        <p:grpSpPr>
+        </p:nvSpPr>
+        <p:spPr>
           <a:xfrm>
             <a:off x="0" y="18524"/>
-            <a:ext cx="9144000" cy="1533953"/>
-            <a:chOff x="0" y="18524"/>
-            <a:chExt cx="9144000" cy="1533953"/>
-          </a:xfrm>
-        </p:grpSpPr>
-        <p:sp>
-          <p:nvSpPr>
-            <p:cNvPr id="17" name="Title 1">
-              <a:extLst>
-                <a:ext uri="{FF2B5EF4-FFF2-40B4-BE49-F238E27FC236}">
-                  <a16:creationId xmlns:a16="http://schemas.microsoft.com/office/drawing/2014/main" id="{31A0BB94-2E15-A0AD-5DFC-7E0DC0A10E01}"/>
-                </a:ext>
-              </a:extLst>
-            </p:cNvPr>
-            <p:cNvSpPr txBox="1">
-              <a:spLocks/>
-            </p:cNvSpPr>
-            <p:nvPr/>
-          </p:nvSpPr>
-          <p:spPr>
-            <a:xfrm>
-              <a:off x="0" y="18524"/>
-              <a:ext cx="9144000" cy="1363664"/>
-            </a:xfrm>
-            <a:prstGeom prst="rect">
-              <a:avLst/>
-            </a:prstGeom>
-            <a:solidFill>
-              <a:schemeClr val="tx1">
-                <a:alpha val="81000"/>
-              </a:schemeClr>
-            </a:solidFill>
-          </p:spPr>
-          <p:txBody>
-            <a:bodyPr anchor="ctr">
-              <a:noAutofit/>
-            </a:bodyPr>
-            <a:lstStyle>
-              <a:lvl1pPr algn="l" defTabSz="457200" rtl="0" eaLnBrk="1" latinLnBrk="0" hangingPunct="1">
-                <a:spcBef>
-                  <a:spcPct val="0"/>
-                </a:spcBef>
-                <a:buNone/>
-                <a:defRPr sz="4000" b="0" i="0" kern="1200" cap="none" spc="0">
-                  <a:solidFill>
-                    <a:schemeClr val="bg1"/>
-                  </a:solidFill>
-                  <a:latin typeface="Amazon Ember Light" charset="0"/>
-                  <a:ea typeface="Amazon Ember Light" charset="0"/>
-                  <a:cs typeface="Amazon Ember Light" charset="0"/>
-                </a:defRPr>
-              </a:lvl1pPr>
-            </a:lstStyle>
-            <a:p>
-              <a:pPr algn="ctr"/>
-              <a:endParaRPr lang="en-US" sz="3600" dirty="0"/>
-            </a:p>
-          </p:txBody>
-        </p:sp>
-        <p:pic>
-          <p:nvPicPr>
-            <p:cNvPr id="9" name="Picture 8">
-              <a:extLst>
-                <a:ext uri="{FF2B5EF4-FFF2-40B4-BE49-F238E27FC236}">
-                  <a16:creationId xmlns:a16="http://schemas.microsoft.com/office/drawing/2014/main" id="{2A945655-62D5-421A-A8BB-DF741097D8DA}"/>
-                </a:ext>
-              </a:extLst>
-            </p:cNvPr>
-            <p:cNvPicPr>
-              <a:picLocks noChangeAspect="1"/>
-            </p:cNvPicPr>
-            <p:nvPr userDrawn="1"/>
-          </p:nvPicPr>
-          <p:blipFill>
-            <a:blip r:embed="rId4"/>
-            <a:stretch>
-              <a:fillRect/>
-            </a:stretch>
-          </p:blipFill>
-          <p:spPr>
-            <a:xfrm>
-              <a:off x="1253613" y="1279904"/>
-              <a:ext cx="1305048" cy="272573"/>
-            </a:xfrm>
-            <a:prstGeom prst="rect">
-              <a:avLst/>
-            </a:prstGeom>
-          </p:spPr>
-        </p:pic>
-      </p:grpSp>
+            <a:ext cx="9144000" cy="1363664"/>
+          </a:xfrm>
+          <a:prstGeom prst="rect">
+            <a:avLst/>
+          </a:prstGeom>
+          <a:solidFill>
+            <a:schemeClr val="tx1">
+              <a:alpha val="81000"/>
+            </a:schemeClr>
+          </a:solidFill>
+        </p:spPr>
+        <p:txBody>
+          <a:bodyPr anchor="ctr">
+            <a:noAutofit/>
+          </a:bodyPr>
+          <a:lstStyle>
+            <a:lvl1pPr algn="l" defTabSz="457200" rtl="0" eaLnBrk="1" latinLnBrk="0" hangingPunct="1">
+              <a:spcBef>
+                <a:spcPct val="0"/>
+              </a:spcBef>
+              <a:buNone/>
+              <a:defRPr sz="4000" b="0" i="0" kern="1200" cap="none" spc="0">
+                <a:solidFill>
+                  <a:schemeClr val="bg1"/>
+                </a:solidFill>
+                <a:latin typeface="Amazon Ember Light" charset="0"/>
+                <a:ea typeface="Amazon Ember Light" charset="0"/>
+                <a:cs typeface="Amazon Ember Light" charset="0"/>
+              </a:defRPr>
+            </a:lvl1pPr>
+          </a:lstStyle>
+          <a:p>
+            <a:pPr algn="ctr"/>
+            <a:endParaRPr lang="en-US" sz="3600" dirty="0"/>
+          </a:p>
+        </p:txBody>
+      </p:sp>
       <p:sp>
         <p:nvSpPr>
           <p:cNvPr id="16" name="TextBox 15">
@@ -6676,10 +6625,40 @@
       </p:sp>
       <p:pic>
         <p:nvPicPr>
-          <p:cNvPr id="19" name="Picture 18" descr="A pink clouds with black background&#10;&#10;Description automatically generated">
+          <p:cNvPr id="30" name="Picture 29" descr="A pink clouds with black background&#10;&#10;Description automatically generated">
             <a:extLst>
               <a:ext uri="{FF2B5EF4-FFF2-40B4-BE49-F238E27FC236}">
-                <a16:creationId xmlns:a16="http://schemas.microsoft.com/office/drawing/2014/main" id="{C0221CA3-85E8-F044-7669-8B6906D3C702}"/>
+                <a16:creationId xmlns:a16="http://schemas.microsoft.com/office/drawing/2014/main" id="{D2005403-BBAD-EA1A-3E71-53481E752B00}"/>
+              </a:ext>
+            </a:extLst>
+          </p:cNvPr>
+          <p:cNvPicPr>
+            <a:picLocks noChangeAspect="1"/>
+          </p:cNvPicPr>
+          <p:nvPr/>
+        </p:nvPicPr>
+        <p:blipFill>
+          <a:blip r:embed="rId4"/>
+          <a:stretch>
+            <a:fillRect/>
+          </a:stretch>
+        </p:blipFill>
+        <p:spPr>
+          <a:xfrm>
+            <a:off x="1905617" y="159018"/>
+            <a:ext cx="929501" cy="733658"/>
+          </a:xfrm>
+          <a:prstGeom prst="rect">
+            <a:avLst/>
+          </a:prstGeom>
+        </p:spPr>
+      </p:pic>
+      <p:pic>
+        <p:nvPicPr>
+          <p:cNvPr id="31" name="Picture 30" descr="A white cow with a sun and text&#10;&#10;Description automatically generated">
+            <a:extLst>
+              <a:ext uri="{FF2B5EF4-FFF2-40B4-BE49-F238E27FC236}">
+                <a16:creationId xmlns:a16="http://schemas.microsoft.com/office/drawing/2014/main" id="{534E2A8F-4C19-B039-3074-2402150413EE}"/>
               </a:ext>
             </a:extLst>
           </p:cNvPr>
@@ -6696,8 +6675,8 @@
         </p:blipFill>
         <p:spPr>
           <a:xfrm>
-            <a:off x="2240080" y="155699"/>
-            <a:ext cx="1196989" cy="944787"/>
+            <a:off x="4310307" y="34830"/>
+            <a:ext cx="1301453" cy="926202"/>
           </a:xfrm>
           <a:prstGeom prst="rect">
             <a:avLst/>
@@ -6706,10 +6685,10 @@
       </p:pic>
       <p:pic>
         <p:nvPicPr>
-          <p:cNvPr id="21" name="Picture 20" descr="A white cow with a sun and text&#10;&#10;Description automatically generated">
+          <p:cNvPr id="32" name="Picture 31" descr="A close-up of a logo&#10;&#10;Description automatically generated">
             <a:extLst>
               <a:ext uri="{FF2B5EF4-FFF2-40B4-BE49-F238E27FC236}">
-                <a16:creationId xmlns:a16="http://schemas.microsoft.com/office/drawing/2014/main" id="{6163D3FA-2104-EC21-7978-0F1AC6AAA311}"/>
+                <a16:creationId xmlns:a16="http://schemas.microsoft.com/office/drawing/2014/main" id="{0E51338F-042D-C4A6-ECEC-7A0A68392E5D}"/>
               </a:ext>
             </a:extLst>
           </p:cNvPr>
@@ -6726,8 +6705,8 @@
         </p:blipFill>
         <p:spPr>
           <a:xfrm>
-            <a:off x="5523387" y="148432"/>
-            <a:ext cx="1327570" cy="944788"/>
+            <a:off x="5611245" y="185038"/>
+            <a:ext cx="1737750" cy="715012"/>
           </a:xfrm>
           <a:prstGeom prst="rect">
             <a:avLst/>
@@ -6736,40 +6715,57 @@
       </p:pic>
       <p:pic>
         <p:nvPicPr>
-          <p:cNvPr id="23" name="Picture 22" descr="A close-up of a logo&#10;&#10;Description automatically generated">
+          <p:cNvPr id="33" name="Picture 4" descr="Plainex | Home">
             <a:extLst>
               <a:ext uri="{FF2B5EF4-FFF2-40B4-BE49-F238E27FC236}">
-                <a16:creationId xmlns:a16="http://schemas.microsoft.com/office/drawing/2014/main" id="{52CF8EB1-E04D-EEB1-0B09-A16A38EF4635}"/>
+                <a16:creationId xmlns:a16="http://schemas.microsoft.com/office/drawing/2014/main" id="{D8F4EADF-E4C3-8959-9C94-98DB0BDF64E4}"/>
               </a:ext>
             </a:extLst>
           </p:cNvPr>
           <p:cNvPicPr>
-            <a:picLocks noChangeAspect="1"/>
+            <a:picLocks noChangeAspect="1" noChangeArrowheads="1"/>
           </p:cNvPicPr>
           <p:nvPr/>
         </p:nvPicPr>
         <p:blipFill>
-          <a:blip r:embed="rId7"/>
+          <a:blip r:embed="rId7">
+            <a:extLst>
+              <a:ext uri="{28A0092B-C50C-407E-A947-70E740481C1C}">
+                <a14:useLocalDpi xmlns:a14="http://schemas.microsoft.com/office/drawing/2010/main" val="0"/>
+              </a:ext>
+            </a:extLst>
+          </a:blip>
+          <a:srcRect/>
           <a:stretch>
             <a:fillRect/>
           </a:stretch>
         </p:blipFill>
-        <p:spPr>
-          <a:xfrm>
-            <a:off x="6673644" y="213295"/>
-            <a:ext cx="2123863" cy="873882"/>
+        <p:spPr bwMode="auto">
+          <a:xfrm>
+            <a:off x="99265" y="354642"/>
+            <a:ext cx="1657517" cy="378121"/>
           </a:xfrm>
           <a:prstGeom prst="rect">
             <a:avLst/>
           </a:prstGeom>
+          <a:noFill/>
+          <a:extLst>
+            <a:ext uri="{909E8E84-426E-40DD-AFC4-6F175D3DCCD1}">
+              <a14:hiddenFill xmlns:a14="http://schemas.microsoft.com/office/drawing/2010/main">
+                <a:solidFill>
+                  <a:srgbClr val="FFFFFF"/>
+                </a:solidFill>
+              </a14:hiddenFill>
+            </a:ext>
+          </a:extLst>
         </p:spPr>
       </p:pic>
       <p:pic>
         <p:nvPicPr>
-          <p:cNvPr id="1028" name="Picture 4" descr="Plainex | Home">
+          <p:cNvPr id="34" name="Picture 14">
             <a:extLst>
               <a:ext uri="{FF2B5EF4-FFF2-40B4-BE49-F238E27FC236}">
-                <a16:creationId xmlns:a16="http://schemas.microsoft.com/office/drawing/2014/main" id="{9C8C8018-B6A1-4BA6-D433-1755F9CBAC86}"/>
+                <a16:creationId xmlns:a16="http://schemas.microsoft.com/office/drawing/2014/main" id="{9ED3BCF7-8127-7FD9-33C0-C7462BF370B5}"/>
               </a:ext>
             </a:extLst>
           </p:cNvPr>
@@ -6793,8 +6789,8 @@
         </p:blipFill>
         <p:spPr bwMode="auto">
           <a:xfrm>
-            <a:off x="114150" y="421178"/>
-            <a:ext cx="1814052" cy="413831"/>
+            <a:off x="7484805" y="340965"/>
+            <a:ext cx="1516727" cy="373915"/>
           </a:xfrm>
           <a:prstGeom prst="rect">
             <a:avLst/>
@@ -6813,49 +6809,32 @@
       </p:pic>
       <p:pic>
         <p:nvPicPr>
-          <p:cNvPr id="1038" name="Picture 14">
+          <p:cNvPr id="35" name="Picture 34">
             <a:extLst>
               <a:ext uri="{FF2B5EF4-FFF2-40B4-BE49-F238E27FC236}">
-                <a16:creationId xmlns:a16="http://schemas.microsoft.com/office/drawing/2014/main" id="{6D6FFF53-2B53-FF08-0A92-5F3CE890FAEA}"/>
+                <a16:creationId xmlns:a16="http://schemas.microsoft.com/office/drawing/2014/main" id="{FF9716AD-E978-795C-36AA-3645F5A634CE}"/>
               </a:ext>
             </a:extLst>
           </p:cNvPr>
           <p:cNvPicPr>
-            <a:picLocks noChangeAspect="1" noChangeArrowheads="1"/>
+            <a:picLocks noChangeAspect="1"/>
           </p:cNvPicPr>
           <p:nvPr/>
         </p:nvPicPr>
         <p:blipFill>
-          <a:blip r:embed="rId9">
-            <a:extLst>
-              <a:ext uri="{28A0092B-C50C-407E-A947-70E740481C1C}">
-                <a14:useLocalDpi xmlns:a14="http://schemas.microsoft.com/office/drawing/2010/main" val="0"/>
-              </a:ext>
-            </a:extLst>
-          </a:blip>
-          <a:srcRect/>
+          <a:blip r:embed="rId9"/>
           <a:stretch>
             <a:fillRect/>
           </a:stretch>
         </p:blipFill>
-        <p:spPr bwMode="auto">
-          <a:xfrm>
-            <a:off x="6091084" y="1128585"/>
-            <a:ext cx="2057400" cy="507206"/>
+        <p:spPr>
+          <a:xfrm>
+            <a:off x="3051356" y="407305"/>
+            <a:ext cx="1135132" cy="237084"/>
           </a:xfrm>
           <a:prstGeom prst="rect">
             <a:avLst/>
           </a:prstGeom>
-          <a:noFill/>
-          <a:extLst>
-            <a:ext uri="{909E8E84-426E-40DD-AFC4-6F175D3DCCD1}">
-              <a14:hiddenFill xmlns:a14="http://schemas.microsoft.com/office/drawing/2010/main">
-                <a:solidFill>
-                  <a:srgbClr val="FFFFFF"/>
-                </a:solidFill>
-              </a14:hiddenFill>
-            </a:ext>
-          </a:extLst>
         </p:spPr>
       </p:pic>
     </p:spTree>

--- a/docs/content/img/CommunityDayNordics2024_SlideTemplate.pptx
+++ b/docs/content/img/CommunityDayNordics2024_SlideTemplate.pptx
@@ -26,7 +26,7 @@
     <p:sldId id="264" r:id="rId17"/>
     <p:sldId id="274" r:id="rId18"/>
     <p:sldId id="273" r:id="rId19"/>
-    <p:sldId id="294" r:id="rId20"/>
+    <p:sldId id="296" r:id="rId20"/>
   </p:sldIdLst>
   <p:sldSz cx="9144000" cy="5143500" type="screen16x9"/>
   <p:notesSz cx="6858000" cy="9144000"/>
@@ -7935,10 +7935,10 @@
       </p:grpSpPr>
       <p:sp>
         <p:nvSpPr>
-          <p:cNvPr id="14" name="Text Placeholder 13">
+          <p:cNvPr id="2" name="Title 1">
             <a:extLst>
               <a:ext uri="{FF2B5EF4-FFF2-40B4-BE49-F238E27FC236}">
-                <a16:creationId xmlns:a16="http://schemas.microsoft.com/office/drawing/2014/main" id="{D1E75726-BF2A-5255-FFE9-0DF9F8BA187E}"/>
+                <a16:creationId xmlns:a16="http://schemas.microsoft.com/office/drawing/2014/main" id="{51EC11BC-DC14-D3C3-BAF2-E742FD486580}"/>
               </a:ext>
             </a:extLst>
           </p:cNvPr>
@@ -7946,7 +7946,7 @@
             <a:spLocks noGrp="1"/>
           </p:cNvSpPr>
           <p:nvPr>
-            <p:ph type="body" sz="quarter" idx="14"/>
+            <p:ph type="title"/>
           </p:nvPr>
         </p:nvSpPr>
         <p:spPr/>
@@ -7961,10 +7961,224 @@
           </a:p>
         </p:txBody>
       </p:sp>
+      <p:pic>
+        <p:nvPicPr>
+          <p:cNvPr id="7" name="Picture 6" descr="A pink clouds with black background&#10;&#10;Description automatically generated">
+            <a:extLst>
+              <a:ext uri="{FF2B5EF4-FFF2-40B4-BE49-F238E27FC236}">
+                <a16:creationId xmlns:a16="http://schemas.microsoft.com/office/drawing/2014/main" id="{B2C8AD01-28F8-3185-D5B6-E9FB4ECB632B}"/>
+              </a:ext>
+            </a:extLst>
+          </p:cNvPr>
+          <p:cNvPicPr>
+            <a:picLocks noChangeAspect="1"/>
+          </p:cNvPicPr>
+          <p:nvPr/>
+        </p:nvPicPr>
+        <p:blipFill>
+          <a:blip r:embed="rId2"/>
+          <a:stretch>
+            <a:fillRect/>
+          </a:stretch>
+        </p:blipFill>
+        <p:spPr>
+          <a:xfrm>
+            <a:off x="1853998" y="4129394"/>
+            <a:ext cx="929501" cy="733658"/>
+          </a:xfrm>
+          <a:prstGeom prst="rect">
+            <a:avLst/>
+          </a:prstGeom>
+        </p:spPr>
+      </p:pic>
+      <p:pic>
+        <p:nvPicPr>
+          <p:cNvPr id="8" name="Picture 7" descr="A white cow with a sun and text&#10;&#10;Description automatically generated">
+            <a:extLst>
+              <a:ext uri="{FF2B5EF4-FFF2-40B4-BE49-F238E27FC236}">
+                <a16:creationId xmlns:a16="http://schemas.microsoft.com/office/drawing/2014/main" id="{32238D9B-FCC9-F530-C437-C70D34A4195B}"/>
+              </a:ext>
+            </a:extLst>
+          </p:cNvPr>
+          <p:cNvPicPr>
+            <a:picLocks noChangeAspect="1"/>
+          </p:cNvPicPr>
+          <p:nvPr/>
+        </p:nvPicPr>
+        <p:blipFill>
+          <a:blip r:embed="rId3"/>
+          <a:stretch>
+            <a:fillRect/>
+          </a:stretch>
+        </p:blipFill>
+        <p:spPr>
+          <a:xfrm>
+            <a:off x="4258688" y="4005206"/>
+            <a:ext cx="1301453" cy="926202"/>
+          </a:xfrm>
+          <a:prstGeom prst="rect">
+            <a:avLst/>
+          </a:prstGeom>
+        </p:spPr>
+      </p:pic>
+      <p:pic>
+        <p:nvPicPr>
+          <p:cNvPr id="9" name="Picture 8" descr="A close-up of a logo&#10;&#10;Description automatically generated">
+            <a:extLst>
+              <a:ext uri="{FF2B5EF4-FFF2-40B4-BE49-F238E27FC236}">
+                <a16:creationId xmlns:a16="http://schemas.microsoft.com/office/drawing/2014/main" id="{DA79BE6C-9B6E-EAA3-95D7-2BCC857B9FCE}"/>
+              </a:ext>
+            </a:extLst>
+          </p:cNvPr>
+          <p:cNvPicPr>
+            <a:picLocks noChangeAspect="1"/>
+          </p:cNvPicPr>
+          <p:nvPr/>
+        </p:nvPicPr>
+        <p:blipFill>
+          <a:blip r:embed="rId4"/>
+          <a:stretch>
+            <a:fillRect/>
+          </a:stretch>
+        </p:blipFill>
+        <p:spPr>
+          <a:xfrm>
+            <a:off x="5559626" y="4155414"/>
+            <a:ext cx="1737750" cy="715012"/>
+          </a:xfrm>
+          <a:prstGeom prst="rect">
+            <a:avLst/>
+          </a:prstGeom>
+        </p:spPr>
+      </p:pic>
+      <p:pic>
+        <p:nvPicPr>
+          <p:cNvPr id="10" name="Picture 4" descr="Plainex | Home">
+            <a:extLst>
+              <a:ext uri="{FF2B5EF4-FFF2-40B4-BE49-F238E27FC236}">
+                <a16:creationId xmlns:a16="http://schemas.microsoft.com/office/drawing/2014/main" id="{BEA5A126-06DA-E261-E6F3-9AA14EF59DEE}"/>
+              </a:ext>
+            </a:extLst>
+          </p:cNvPr>
+          <p:cNvPicPr>
+            <a:picLocks noChangeAspect="1" noChangeArrowheads="1"/>
+          </p:cNvPicPr>
+          <p:nvPr/>
+        </p:nvPicPr>
+        <p:blipFill>
+          <a:blip r:embed="rId5">
+            <a:extLst>
+              <a:ext uri="{28A0092B-C50C-407E-A947-70E740481C1C}">
+                <a14:useLocalDpi xmlns:a14="http://schemas.microsoft.com/office/drawing/2010/main" val="0"/>
+              </a:ext>
+            </a:extLst>
+          </a:blip>
+          <a:srcRect/>
+          <a:stretch>
+            <a:fillRect/>
+          </a:stretch>
+        </p:blipFill>
+        <p:spPr bwMode="auto">
+          <a:xfrm>
+            <a:off x="47646" y="4325018"/>
+            <a:ext cx="1657517" cy="378121"/>
+          </a:xfrm>
+          <a:prstGeom prst="rect">
+            <a:avLst/>
+          </a:prstGeom>
+          <a:noFill/>
+          <a:extLst>
+            <a:ext uri="{909E8E84-426E-40DD-AFC4-6F175D3DCCD1}">
+              <a14:hiddenFill xmlns:a14="http://schemas.microsoft.com/office/drawing/2010/main">
+                <a:solidFill>
+                  <a:srgbClr val="FFFFFF"/>
+                </a:solidFill>
+              </a14:hiddenFill>
+            </a:ext>
+          </a:extLst>
+        </p:spPr>
+      </p:pic>
+      <p:pic>
+        <p:nvPicPr>
+          <p:cNvPr id="11" name="Picture 14">
+            <a:extLst>
+              <a:ext uri="{FF2B5EF4-FFF2-40B4-BE49-F238E27FC236}">
+                <a16:creationId xmlns:a16="http://schemas.microsoft.com/office/drawing/2014/main" id="{CE9A8B8F-2CA6-49A4-A70D-B399909C2245}"/>
+              </a:ext>
+            </a:extLst>
+          </p:cNvPr>
+          <p:cNvPicPr>
+            <a:picLocks noChangeAspect="1" noChangeArrowheads="1"/>
+          </p:cNvPicPr>
+          <p:nvPr/>
+        </p:nvPicPr>
+        <p:blipFill>
+          <a:blip r:embed="rId6">
+            <a:extLst>
+              <a:ext uri="{28A0092B-C50C-407E-A947-70E740481C1C}">
+                <a14:useLocalDpi xmlns:a14="http://schemas.microsoft.com/office/drawing/2010/main" val="0"/>
+              </a:ext>
+            </a:extLst>
+          </a:blip>
+          <a:srcRect/>
+          <a:stretch>
+            <a:fillRect/>
+          </a:stretch>
+        </p:blipFill>
+        <p:spPr bwMode="auto">
+          <a:xfrm>
+            <a:off x="7433186" y="4311341"/>
+            <a:ext cx="1516727" cy="373915"/>
+          </a:xfrm>
+          <a:prstGeom prst="rect">
+            <a:avLst/>
+          </a:prstGeom>
+          <a:noFill/>
+          <a:extLst>
+            <a:ext uri="{909E8E84-426E-40DD-AFC4-6F175D3DCCD1}">
+              <a14:hiddenFill xmlns:a14="http://schemas.microsoft.com/office/drawing/2010/main">
+                <a:solidFill>
+                  <a:srgbClr val="FFFFFF"/>
+                </a:solidFill>
+              </a14:hiddenFill>
+            </a:ext>
+          </a:extLst>
+        </p:spPr>
+      </p:pic>
+      <p:pic>
+        <p:nvPicPr>
+          <p:cNvPr id="12" name="Picture 11">
+            <a:extLst>
+              <a:ext uri="{FF2B5EF4-FFF2-40B4-BE49-F238E27FC236}">
+                <a16:creationId xmlns:a16="http://schemas.microsoft.com/office/drawing/2014/main" id="{CE4BB0DC-AD08-26B5-454C-B5297ADEEAB6}"/>
+              </a:ext>
+            </a:extLst>
+          </p:cNvPr>
+          <p:cNvPicPr>
+            <a:picLocks noChangeAspect="1"/>
+          </p:cNvPicPr>
+          <p:nvPr/>
+        </p:nvPicPr>
+        <p:blipFill>
+          <a:blip r:embed="rId7"/>
+          <a:stretch>
+            <a:fillRect/>
+          </a:stretch>
+        </p:blipFill>
+        <p:spPr>
+          <a:xfrm>
+            <a:off x="2999737" y="4377681"/>
+            <a:ext cx="1135132" cy="237084"/>
+          </a:xfrm>
+          <a:prstGeom prst="rect">
+            <a:avLst/>
+          </a:prstGeom>
+        </p:spPr>
+      </p:pic>
     </p:spTree>
     <p:extLst>
       <p:ext uri="{BB962C8B-B14F-4D97-AF65-F5344CB8AC3E}">
-        <p14:creationId xmlns:p14="http://schemas.microsoft.com/office/powerpoint/2010/main" val="3450304097"/>
+        <p14:creationId xmlns:p14="http://schemas.microsoft.com/office/powerpoint/2010/main" val="3812801340"/>
       </p:ext>
     </p:extLst>
   </p:cSld>

--- a/docs/content/img/CommunityDayNordics2024_SlideTemplate.pptx
+++ b/docs/content/img/CommunityDayNordics2024_SlideTemplate.pptx
@@ -6542,7 +6542,7 @@
         <p:spPr>
           <a:xfrm>
             <a:off x="0" y="18524"/>
-            <a:ext cx="9144000" cy="1363664"/>
+            <a:ext cx="9144000" cy="1102349"/>
           </a:xfrm>
           <a:prstGeom prst="rect">
             <a:avLst/>
